--- a/demo/src/main/java/com/kdniao/logisticsfront/common/biz/service/impl/regex/正则.pptx
+++ b/demo/src/main/java/com/kdniao/logisticsfront/common/biz/service/impl/regex/正则.pptx
@@ -9,9 +9,10 @@
     <p:sldId id="257" r:id="rId3"/>
     <p:sldId id="258" r:id="rId4"/>
     <p:sldId id="259" r:id="rId5"/>
-    <p:sldId id="260" r:id="rId6"/>
-    <p:sldId id="261" r:id="rId7"/>
-    <p:sldId id="262" r:id="rId8"/>
+    <p:sldId id="263" r:id="rId6"/>
+    <p:sldId id="260" r:id="rId7"/>
+    <p:sldId id="261" r:id="rId8"/>
+    <p:sldId id="262" r:id="rId9"/>
   </p:sldIdLst>
   <p:sldSz cx="12192000" cy="6858000"/>
   <p:notesSz cx="6858000" cy="9144000"/>
@@ -110,6 +111,11 @@
       </a:defRPr>
     </a:lvl9pPr>
   </p:defaultTextStyle>
+  <p:extLst>
+    <p:ext uri="{EFAFB233-063F-42B5-8137-9DF3F51BA10A}">
+      <p15:sldGuideLst xmlns:p15="http://schemas.microsoft.com/office/powerpoint/2012/main"/>
+    </p:ext>
+  </p:extLst>
 </p:presentation>
 </file>
 
@@ -615,7 +621,7 @@
           <a:p>
             <a:fld id="{D583C742-C8A5-4DFE-9F03-F628E033A253}" type="datetimeFigureOut">
               <a:rPr lang="zh-CN" altLang="en-US" smtClean="0"/>
-              <a:t>2019/9/1</a:t>
+              <a:t>2019/9/2</a:t>
             </a:fld>
             <a:endParaRPr lang="zh-CN" altLang="en-US"/>
           </a:p>
@@ -911,7 +917,7 @@
           <a:p>
             <a:fld id="{D583C742-C8A5-4DFE-9F03-F628E033A253}" type="datetimeFigureOut">
               <a:rPr lang="zh-CN" altLang="en-US" smtClean="0"/>
-              <a:t>2019/9/1</a:t>
+              <a:t>2019/9/2</a:t>
             </a:fld>
             <a:endParaRPr lang="zh-CN" altLang="en-US"/>
           </a:p>
@@ -1159,7 +1165,7 @@
           <a:p>
             <a:fld id="{D583C742-C8A5-4DFE-9F03-F628E033A253}" type="datetimeFigureOut">
               <a:rPr lang="zh-CN" altLang="en-US" smtClean="0"/>
-              <a:t>2019/9/1</a:t>
+              <a:t>2019/9/2</a:t>
             </a:fld>
             <a:endParaRPr lang="zh-CN" altLang="en-US"/>
           </a:p>
@@ -1699,7 +1705,7 @@
           <a:p>
             <a:fld id="{D583C742-C8A5-4DFE-9F03-F628E033A253}" type="datetimeFigureOut">
               <a:rPr lang="zh-CN" altLang="en-US" smtClean="0"/>
-              <a:t>2019/9/1</a:t>
+              <a:t>2019/9/2</a:t>
             </a:fld>
             <a:endParaRPr lang="zh-CN" altLang="en-US"/>
           </a:p>
@@ -1947,7 +1953,7 @@
           <a:p>
             <a:fld id="{D583C742-C8A5-4DFE-9F03-F628E033A253}" type="datetimeFigureOut">
               <a:rPr lang="zh-CN" altLang="en-US" smtClean="0"/>
-              <a:t>2019/9/1</a:t>
+              <a:t>2019/9/2</a:t>
             </a:fld>
             <a:endParaRPr lang="zh-CN" altLang="en-US"/>
           </a:p>
@@ -2479,7 +2485,7 @@
           <a:p>
             <a:fld id="{D583C742-C8A5-4DFE-9F03-F628E033A253}" type="datetimeFigureOut">
               <a:rPr lang="zh-CN" altLang="en-US" smtClean="0"/>
-              <a:t>2019/9/1</a:t>
+              <a:t>2019/9/2</a:t>
             </a:fld>
             <a:endParaRPr lang="zh-CN" altLang="en-US"/>
           </a:p>
@@ -2776,7 +2782,7 @@
           <a:p>
             <a:fld id="{D583C742-C8A5-4DFE-9F03-F628E033A253}" type="datetimeFigureOut">
               <a:rPr lang="zh-CN" altLang="en-US" smtClean="0"/>
-              <a:t>2019/9/1</a:t>
+              <a:t>2019/9/2</a:t>
             </a:fld>
             <a:endParaRPr lang="zh-CN" altLang="en-US"/>
           </a:p>
@@ -2950,7 +2956,7 @@
           <a:p>
             <a:fld id="{D583C742-C8A5-4DFE-9F03-F628E033A253}" type="datetimeFigureOut">
               <a:rPr lang="zh-CN" altLang="en-US" smtClean="0"/>
-              <a:t>2019/9/1</a:t>
+              <a:t>2019/9/2</a:t>
             </a:fld>
             <a:endParaRPr lang="zh-CN" altLang="en-US"/>
           </a:p>
@@ -3130,7 +3136,7 @@
           <a:p>
             <a:fld id="{D583C742-C8A5-4DFE-9F03-F628E033A253}" type="datetimeFigureOut">
               <a:rPr lang="zh-CN" altLang="en-US" smtClean="0"/>
-              <a:t>2019/9/1</a:t>
+              <a:t>2019/9/2</a:t>
             </a:fld>
             <a:endParaRPr lang="zh-CN" altLang="en-US"/>
           </a:p>
@@ -3300,7 +3306,7 @@
           <a:p>
             <a:fld id="{D583C742-C8A5-4DFE-9F03-F628E033A253}" type="datetimeFigureOut">
               <a:rPr lang="zh-CN" altLang="en-US" smtClean="0"/>
-              <a:t>2019/9/1</a:t>
+              <a:t>2019/9/2</a:t>
             </a:fld>
             <a:endParaRPr lang="zh-CN" altLang="en-US"/>
           </a:p>
@@ -3551,7 +3557,7 @@
           <a:p>
             <a:fld id="{D583C742-C8A5-4DFE-9F03-F628E033A253}" type="datetimeFigureOut">
               <a:rPr lang="zh-CN" altLang="en-US" smtClean="0"/>
-              <a:t>2019/9/1</a:t>
+              <a:t>2019/9/2</a:t>
             </a:fld>
             <a:endParaRPr lang="zh-CN" altLang="en-US"/>
           </a:p>
@@ -3848,7 +3854,7 @@
           <a:p>
             <a:fld id="{D583C742-C8A5-4DFE-9F03-F628E033A253}" type="datetimeFigureOut">
               <a:rPr lang="zh-CN" altLang="en-US" smtClean="0"/>
-              <a:t>2019/9/1</a:t>
+              <a:t>2019/9/2</a:t>
             </a:fld>
             <a:endParaRPr lang="zh-CN" altLang="en-US"/>
           </a:p>
@@ -4290,7 +4296,7 @@
           <a:p>
             <a:fld id="{D583C742-C8A5-4DFE-9F03-F628E033A253}" type="datetimeFigureOut">
               <a:rPr lang="zh-CN" altLang="en-US" smtClean="0"/>
-              <a:t>2019/9/1</a:t>
+              <a:t>2019/9/2</a:t>
             </a:fld>
             <a:endParaRPr lang="zh-CN" altLang="en-US"/>
           </a:p>
@@ -4408,7 +4414,7 @@
           <a:p>
             <a:fld id="{D583C742-C8A5-4DFE-9F03-F628E033A253}" type="datetimeFigureOut">
               <a:rPr lang="zh-CN" altLang="en-US" smtClean="0"/>
-              <a:t>2019/9/1</a:t>
+              <a:t>2019/9/2</a:t>
             </a:fld>
             <a:endParaRPr lang="zh-CN" altLang="en-US"/>
           </a:p>
@@ -4503,7 +4509,7 @@
           <a:p>
             <a:fld id="{D583C742-C8A5-4DFE-9F03-F628E033A253}" type="datetimeFigureOut">
               <a:rPr lang="zh-CN" altLang="en-US" smtClean="0"/>
-              <a:t>2019/9/1</a:t>
+              <a:t>2019/9/2</a:t>
             </a:fld>
             <a:endParaRPr lang="zh-CN" altLang="en-US"/>
           </a:p>
@@ -4786,7 +4792,7 @@
           <a:p>
             <a:fld id="{D583C742-C8A5-4DFE-9F03-F628E033A253}" type="datetimeFigureOut">
               <a:rPr lang="zh-CN" altLang="en-US" smtClean="0"/>
-              <a:t>2019/9/1</a:t>
+              <a:t>2019/9/2</a:t>
             </a:fld>
             <a:endParaRPr lang="zh-CN" altLang="en-US"/>
           </a:p>
@@ -5077,7 +5083,7 @@
           <a:p>
             <a:fld id="{D583C742-C8A5-4DFE-9F03-F628E033A253}" type="datetimeFigureOut">
               <a:rPr lang="zh-CN" altLang="en-US" smtClean="0"/>
-              <a:t>2019/9/1</a:t>
+              <a:t>2019/9/2</a:t>
             </a:fld>
             <a:endParaRPr lang="zh-CN" altLang="en-US"/>
           </a:p>
@@ -5607,7 +5613,7 @@
           <a:p>
             <a:fld id="{D583C742-C8A5-4DFE-9F03-F628E033A253}" type="datetimeFigureOut">
               <a:rPr lang="zh-CN" altLang="en-US" smtClean="0"/>
-              <a:t>2019/9/1</a:t>
+              <a:t>2019/9/2</a:t>
             </a:fld>
             <a:endParaRPr lang="zh-CN" altLang="en-US"/>
           </a:p>
@@ -6313,7 +6319,7 @@
         <p:spPr>
           <a:xfrm>
             <a:off x="1712910" y="553916"/>
-            <a:ext cx="10376513" cy="2171700"/>
+            <a:ext cx="10376513" cy="1266092"/>
           </a:xfrm>
         </p:spPr>
         <p:txBody>
@@ -6335,6 +6341,36 @@
           </a:p>
         </p:txBody>
       </p:sp>
+      <p:pic>
+        <p:nvPicPr>
+          <p:cNvPr id="2" name="图片 1">
+            <a:extLst>
+              <a:ext uri="{FF2B5EF4-FFF2-40B4-BE49-F238E27FC236}">
+                <a16:creationId xmlns:a16="http://schemas.microsoft.com/office/drawing/2014/main" id="{75425C7F-2834-462F-A8AC-C95BBC01168B}"/>
+              </a:ext>
+            </a:extLst>
+          </p:cNvPr>
+          <p:cNvPicPr>
+            <a:picLocks noChangeAspect="1"/>
+          </p:cNvPicPr>
+          <p:nvPr/>
+        </p:nvPicPr>
+        <p:blipFill>
+          <a:blip r:embed="rId2"/>
+          <a:stretch>
+            <a:fillRect/>
+          </a:stretch>
+        </p:blipFill>
+        <p:spPr>
+          <a:xfrm>
+            <a:off x="1839459" y="2162908"/>
+            <a:ext cx="6438095" cy="1514286"/>
+          </a:xfrm>
+          <a:prstGeom prst="rect">
+            <a:avLst/>
+          </a:prstGeom>
+        </p:spPr>
+      </p:pic>
     </p:spTree>
     <p:extLst>
       <p:ext uri="{BB962C8B-B14F-4D97-AF65-F5344CB8AC3E}">
@@ -6367,34 +6403,6 @@
       </p:grpSpPr>
       <p:sp>
         <p:nvSpPr>
-          <p:cNvPr id="2" name="标题 1">
-            <a:extLst>
-              <a:ext uri="{FF2B5EF4-FFF2-40B4-BE49-F238E27FC236}">
-                <a16:creationId xmlns:a16="http://schemas.microsoft.com/office/drawing/2014/main" id="{C5202C56-3844-4A38-A38E-E53AB8AAA101}"/>
-              </a:ext>
-            </a:extLst>
-          </p:cNvPr>
-          <p:cNvSpPr>
-            <a:spLocks noGrp="1"/>
-          </p:cNvSpPr>
-          <p:nvPr>
-            <p:ph type="title"/>
-          </p:nvPr>
-        </p:nvSpPr>
-        <p:spPr/>
-        <p:txBody>
-          <a:bodyPr/>
-          <a:lstStyle/>
-          <a:p>
-            <a:r>
-              <a:rPr lang="zh-CN" altLang="en-US" dirty="0"/>
-              <a:t>写法</a:t>
-            </a:r>
-          </a:p>
-        </p:txBody>
-      </p:sp>
-      <p:sp>
-        <p:nvSpPr>
           <p:cNvPr id="3" name="内容占位符 2">
             <a:extLst>
               <a:ext uri="{FF2B5EF4-FFF2-40B4-BE49-F238E27FC236}">
@@ -6423,6 +6431,61 @@
           </a:p>
         </p:txBody>
       </p:sp>
+      <p:sp>
+        <p:nvSpPr>
+          <p:cNvPr id="5" name="标题 4">
+            <a:extLst>
+              <a:ext uri="{FF2B5EF4-FFF2-40B4-BE49-F238E27FC236}">
+                <a16:creationId xmlns:a16="http://schemas.microsoft.com/office/drawing/2014/main" id="{9DB49CCD-8174-4EB9-9A4F-51FB6DF2CA0C}"/>
+              </a:ext>
+            </a:extLst>
+          </p:cNvPr>
+          <p:cNvSpPr>
+            <a:spLocks noGrp="1"/>
+          </p:cNvSpPr>
+          <p:nvPr>
+            <p:ph type="title"/>
+          </p:nvPr>
+        </p:nvSpPr>
+        <p:spPr/>
+        <p:txBody>
+          <a:bodyPr/>
+          <a:lstStyle/>
+          <a:p>
+            <a:endParaRPr lang="zh-CN" altLang="en-US"/>
+          </a:p>
+        </p:txBody>
+      </p:sp>
+      <p:pic>
+        <p:nvPicPr>
+          <p:cNvPr id="6" name="图片 5">
+            <a:extLst>
+              <a:ext uri="{FF2B5EF4-FFF2-40B4-BE49-F238E27FC236}">
+                <a16:creationId xmlns:a16="http://schemas.microsoft.com/office/drawing/2014/main" id="{2C9824A6-1FCB-4F45-B57A-B84D4C89B43C}"/>
+              </a:ext>
+            </a:extLst>
+          </p:cNvPr>
+          <p:cNvPicPr>
+            <a:picLocks noChangeAspect="1"/>
+          </p:cNvPicPr>
+          <p:nvPr/>
+        </p:nvPicPr>
+        <p:blipFill>
+          <a:blip r:embed="rId2"/>
+          <a:stretch>
+            <a:fillRect/>
+          </a:stretch>
+        </p:blipFill>
+        <p:spPr>
+          <a:xfrm>
+            <a:off x="978380" y="145868"/>
+            <a:ext cx="10018713" cy="6566263"/>
+          </a:xfrm>
+          <a:prstGeom prst="rect">
+            <a:avLst/>
+          </a:prstGeom>
+        </p:spPr>
+      </p:pic>
     </p:spTree>
     <p:extLst>
       <p:ext uri="{BB962C8B-B14F-4D97-AF65-F5344CB8AC3E}">
@@ -6455,10 +6518,10 @@
       </p:grpSpPr>
       <p:sp>
         <p:nvSpPr>
-          <p:cNvPr id="2" name="标题 1">
+          <p:cNvPr id="3" name="内容占位符 2">
             <a:extLst>
               <a:ext uri="{FF2B5EF4-FFF2-40B4-BE49-F238E27FC236}">
-                <a16:creationId xmlns:a16="http://schemas.microsoft.com/office/drawing/2014/main" id="{F82807FF-4621-4D8D-9F8A-85A5D9B2A4A9}"/>
+                <a16:creationId xmlns:a16="http://schemas.microsoft.com/office/drawing/2014/main" id="{77038B8E-D774-4668-ACE1-A74AF21A93E9}"/>
               </a:ext>
             </a:extLst>
           </p:cNvPr>
@@ -6466,27 +6529,29 @@
             <a:spLocks noGrp="1"/>
           </p:cNvSpPr>
           <p:nvPr>
-            <p:ph type="title"/>
-          </p:nvPr>
-        </p:nvSpPr>
-        <p:spPr/>
+            <p:ph idx="1"/>
+          </p:nvPr>
+        </p:nvSpPr>
+        <p:spPr>
+          <a:xfrm>
+            <a:off x="1484310" y="2666999"/>
+            <a:ext cx="10018713" cy="3124201"/>
+          </a:xfrm>
+        </p:spPr>
         <p:txBody>
           <a:bodyPr/>
           <a:lstStyle/>
           <a:p>
-            <a:r>
-              <a:rPr lang="zh-CN" altLang="en-US" dirty="0"/>
-              <a:t>元字符</a:t>
-            </a:r>
-          </a:p>
-        </p:txBody>
-      </p:sp>
-      <p:sp>
-        <p:nvSpPr>
-          <p:cNvPr id="3" name="内容占位符 2">
+            <a:endParaRPr lang="zh-CN" altLang="en-US" dirty="0"/>
+          </a:p>
+        </p:txBody>
+      </p:sp>
+      <p:sp>
+        <p:nvSpPr>
+          <p:cNvPr id="5" name="标题 4">
             <a:extLst>
               <a:ext uri="{FF2B5EF4-FFF2-40B4-BE49-F238E27FC236}">
-                <a16:creationId xmlns:a16="http://schemas.microsoft.com/office/drawing/2014/main" id="{1C615E72-3E7B-4791-A94E-3F4123CCC9E8}"/>
+                <a16:creationId xmlns:a16="http://schemas.microsoft.com/office/drawing/2014/main" id="{9DB49CCD-8174-4EB9-9A4F-51FB6DF2CA0C}"/>
               </a:ext>
             </a:extLst>
           </p:cNvPr>
@@ -6494,7 +6559,7 @@
             <a:spLocks noGrp="1"/>
           </p:cNvSpPr>
           <p:nvPr>
-            <p:ph idx="1"/>
+            <p:ph type="title"/>
           </p:nvPr>
         </p:nvSpPr>
         <p:spPr/>
@@ -6502,14 +6567,78 @@
           <a:bodyPr/>
           <a:lstStyle/>
           <a:p>
-            <a:endParaRPr lang="zh-CN" altLang="en-US" dirty="0"/>
+            <a:endParaRPr lang="zh-CN" altLang="en-US"/>
+          </a:p>
+        </p:txBody>
+      </p:sp>
+      <p:pic>
+        <p:nvPicPr>
+          <p:cNvPr id="2" name="图片 1">
+            <a:extLst>
+              <a:ext uri="{FF2B5EF4-FFF2-40B4-BE49-F238E27FC236}">
+                <a16:creationId xmlns:a16="http://schemas.microsoft.com/office/drawing/2014/main" id="{A48FFD42-37F3-4751-8561-F0AA4293D71D}"/>
+              </a:ext>
+            </a:extLst>
+          </p:cNvPr>
+          <p:cNvPicPr>
+            <a:picLocks noChangeAspect="1"/>
+          </p:cNvPicPr>
+          <p:nvPr/>
+        </p:nvPicPr>
+        <p:blipFill>
+          <a:blip r:embed="rId2"/>
+          <a:stretch>
+            <a:fillRect/>
+          </a:stretch>
+        </p:blipFill>
+        <p:spPr>
+          <a:xfrm>
+            <a:off x="0" y="349852"/>
+            <a:ext cx="12192000" cy="6158295"/>
+          </a:xfrm>
+          <a:prstGeom prst="rect">
+            <a:avLst/>
+          </a:prstGeom>
+        </p:spPr>
+      </p:pic>
+      <p:sp>
+        <p:nvSpPr>
+          <p:cNvPr id="4" name="矩形 3">
+            <a:extLst>
+              <a:ext uri="{FF2B5EF4-FFF2-40B4-BE49-F238E27FC236}">
+                <a16:creationId xmlns:a16="http://schemas.microsoft.com/office/drawing/2014/main" id="{D8ABCAB0-B0CC-4773-841C-398372391125}"/>
+              </a:ext>
+            </a:extLst>
+          </p:cNvPr>
+          <p:cNvSpPr/>
+          <p:nvPr/>
+        </p:nvSpPr>
+        <p:spPr>
+          <a:xfrm>
+            <a:off x="3872011" y="6552081"/>
+            <a:ext cx="4201791" cy="369332"/>
+          </a:xfrm>
+          <a:prstGeom prst="rect">
+            <a:avLst/>
+          </a:prstGeom>
+        </p:spPr>
+        <p:txBody>
+          <a:bodyPr wrap="none">
+            <a:spAutoFit/>
+          </a:bodyPr>
+          <a:lstStyle/>
+          <a:p>
+            <a:r>
+              <a:rPr lang="zh-CN" altLang="en-US" dirty="0"/>
+              <a:t>https://docs.oracle.com/javase/8/docs/api/</a:t>
+            </a:r>
           </a:p>
         </p:txBody>
       </p:sp>
     </p:spTree>
     <p:extLst>
       <p:ext uri="{BB962C8B-B14F-4D97-AF65-F5344CB8AC3E}">
-        <p14:creationId xmlns:p14="http://schemas.microsoft.com/office/powerpoint/2010/main" val="4264792745"/>
+        <p14:creationId xmlns:p14="http://schemas.microsoft.com/office/powerpoint/2010/main" val="3080729382"/>
       </p:ext>
     </p:extLst>
   </p:cSld>
@@ -6541,7 +6670,7 @@
           <p:cNvPr id="2" name="标题 1">
             <a:extLst>
               <a:ext uri="{FF2B5EF4-FFF2-40B4-BE49-F238E27FC236}">
-                <a16:creationId xmlns:a16="http://schemas.microsoft.com/office/drawing/2014/main" id="{B8EC4ECF-F423-4137-88A8-EAEF69A55D76}"/>
+                <a16:creationId xmlns:a16="http://schemas.microsoft.com/office/drawing/2014/main" id="{F82807FF-4621-4D8D-9F8A-85A5D9B2A4A9}"/>
               </a:ext>
             </a:extLst>
           </p:cNvPr>
@@ -6552,14 +6681,21 @@
             <p:ph type="title"/>
           </p:nvPr>
         </p:nvSpPr>
-        <p:spPr/>
-        <p:txBody>
-          <a:bodyPr/>
+        <p:spPr>
+          <a:xfrm>
+            <a:off x="1370011" y="167055"/>
+            <a:ext cx="10018713" cy="694592"/>
+          </a:xfrm>
+        </p:spPr>
+        <p:txBody>
+          <a:bodyPr>
+            <a:normAutofit fontScale="90000"/>
+          </a:bodyPr>
           <a:lstStyle/>
           <a:p>
             <a:r>
               <a:rPr lang="zh-CN" altLang="en-US" dirty="0"/>
-              <a:t>捕获组</a:t>
+              <a:t>元字符</a:t>
             </a:r>
           </a:p>
         </p:txBody>
@@ -6569,7 +6705,7 @@
           <p:cNvPr id="3" name="内容占位符 2">
             <a:extLst>
               <a:ext uri="{FF2B5EF4-FFF2-40B4-BE49-F238E27FC236}">
-                <a16:creationId xmlns:a16="http://schemas.microsoft.com/office/drawing/2014/main" id="{201C751A-ABAE-4C6D-B2E6-506718FD552A}"/>
+                <a16:creationId xmlns:a16="http://schemas.microsoft.com/office/drawing/2014/main" id="{1C615E72-3E7B-4791-A94E-3F4123CCC9E8}"/>
               </a:ext>
             </a:extLst>
           </p:cNvPr>
@@ -6585,14 +6721,44 @@
           <a:bodyPr/>
           <a:lstStyle/>
           <a:p>
-            <a:endParaRPr lang="zh-CN" altLang="en-US"/>
-          </a:p>
-        </p:txBody>
-      </p:sp>
+            <a:endParaRPr lang="zh-CN" altLang="en-US" dirty="0"/>
+          </a:p>
+        </p:txBody>
+      </p:sp>
+      <p:pic>
+        <p:nvPicPr>
+          <p:cNvPr id="5" name="图片 4">
+            <a:extLst>
+              <a:ext uri="{FF2B5EF4-FFF2-40B4-BE49-F238E27FC236}">
+                <a16:creationId xmlns:a16="http://schemas.microsoft.com/office/drawing/2014/main" id="{59751C2A-3F1D-4BD5-8595-2907C09C0E3B}"/>
+              </a:ext>
+            </a:extLst>
+          </p:cNvPr>
+          <p:cNvPicPr>
+            <a:picLocks noChangeAspect="1"/>
+          </p:cNvPicPr>
+          <p:nvPr/>
+        </p:nvPicPr>
+        <p:blipFill>
+          <a:blip r:embed="rId2"/>
+          <a:stretch>
+            <a:fillRect/>
+          </a:stretch>
+        </p:blipFill>
+        <p:spPr>
+          <a:xfrm>
+            <a:off x="1484310" y="1028904"/>
+            <a:ext cx="10022329" cy="2268211"/>
+          </a:xfrm>
+          <a:prstGeom prst="rect">
+            <a:avLst/>
+          </a:prstGeom>
+        </p:spPr>
+      </p:pic>
     </p:spTree>
     <p:extLst>
       <p:ext uri="{BB962C8B-B14F-4D97-AF65-F5344CB8AC3E}">
-        <p14:creationId xmlns:p14="http://schemas.microsoft.com/office/powerpoint/2010/main" val="4155099458"/>
+        <p14:creationId xmlns:p14="http://schemas.microsoft.com/office/powerpoint/2010/main" val="4264792745"/>
       </p:ext>
     </p:extLst>
   </p:cSld>
@@ -6624,7 +6790,7 @@
           <p:cNvPr id="2" name="标题 1">
             <a:extLst>
               <a:ext uri="{FF2B5EF4-FFF2-40B4-BE49-F238E27FC236}">
-                <a16:creationId xmlns:a16="http://schemas.microsoft.com/office/drawing/2014/main" id="{091EC040-E8AC-43AA-B853-94CBCC3EE23A}"/>
+                <a16:creationId xmlns:a16="http://schemas.microsoft.com/office/drawing/2014/main" id="{B8EC4ECF-F423-4137-88A8-EAEF69A55D76}"/>
               </a:ext>
             </a:extLst>
           </p:cNvPr>
@@ -6642,11 +6808,126 @@
           <a:p>
             <a:r>
               <a:rPr lang="zh-CN" altLang="en-US" dirty="0"/>
-              <a:t>实例</a:t>
-            </a:r>
-          </a:p>
-        </p:txBody>
-      </p:sp>
+              <a:t>捕获组</a:t>
+            </a:r>
+          </a:p>
+        </p:txBody>
+      </p:sp>
+      <p:pic>
+        <p:nvPicPr>
+          <p:cNvPr id="4" name="图片 3">
+            <a:extLst>
+              <a:ext uri="{FF2B5EF4-FFF2-40B4-BE49-F238E27FC236}">
+                <a16:creationId xmlns:a16="http://schemas.microsoft.com/office/drawing/2014/main" id="{0B75E149-24DC-4132-9E11-1C5A39BA127D}"/>
+              </a:ext>
+            </a:extLst>
+          </p:cNvPr>
+          <p:cNvPicPr>
+            <a:picLocks noChangeAspect="1"/>
+          </p:cNvPicPr>
+          <p:nvPr/>
+        </p:nvPicPr>
+        <p:blipFill>
+          <a:blip r:embed="rId2"/>
+          <a:stretch>
+            <a:fillRect/>
+          </a:stretch>
+        </p:blipFill>
+        <p:spPr>
+          <a:xfrm>
+            <a:off x="1" y="1022171"/>
+            <a:ext cx="3769744" cy="1752600"/>
+          </a:xfrm>
+          <a:prstGeom prst="rect">
+            <a:avLst/>
+          </a:prstGeom>
+        </p:spPr>
+      </p:pic>
+      <p:sp>
+        <p:nvSpPr>
+          <p:cNvPr id="7" name="内容占位符 6">
+            <a:extLst>
+              <a:ext uri="{FF2B5EF4-FFF2-40B4-BE49-F238E27FC236}">
+                <a16:creationId xmlns:a16="http://schemas.microsoft.com/office/drawing/2014/main" id="{2D748261-D6AD-4BDC-9967-F3AB12A6102A}"/>
+              </a:ext>
+            </a:extLst>
+          </p:cNvPr>
+          <p:cNvSpPr>
+            <a:spLocks noGrp="1"/>
+          </p:cNvSpPr>
+          <p:nvPr>
+            <p:ph idx="1"/>
+          </p:nvPr>
+        </p:nvSpPr>
+        <p:spPr/>
+        <p:txBody>
+          <a:bodyPr/>
+          <a:lstStyle/>
+          <a:p>
+            <a:endParaRPr lang="zh-CN" altLang="en-US" dirty="0"/>
+          </a:p>
+        </p:txBody>
+      </p:sp>
+      <p:pic>
+        <p:nvPicPr>
+          <p:cNvPr id="9" name="图片 8">
+            <a:extLst>
+              <a:ext uri="{FF2B5EF4-FFF2-40B4-BE49-F238E27FC236}">
+                <a16:creationId xmlns:a16="http://schemas.microsoft.com/office/drawing/2014/main" id="{193561E7-03E8-4577-9385-2B7ACC3713FC}"/>
+              </a:ext>
+            </a:extLst>
+          </p:cNvPr>
+          <p:cNvPicPr>
+            <a:picLocks noChangeAspect="1"/>
+          </p:cNvPicPr>
+          <p:nvPr/>
+        </p:nvPicPr>
+        <p:blipFill>
+          <a:blip r:embed="rId3"/>
+          <a:stretch>
+            <a:fillRect/>
+          </a:stretch>
+        </p:blipFill>
+        <p:spPr>
+          <a:xfrm>
+            <a:off x="3334857" y="86143"/>
+            <a:ext cx="8857143" cy="6685714"/>
+          </a:xfrm>
+          <a:prstGeom prst="rect">
+            <a:avLst/>
+          </a:prstGeom>
+        </p:spPr>
+      </p:pic>
+    </p:spTree>
+    <p:extLst>
+      <p:ext uri="{BB962C8B-B14F-4D97-AF65-F5344CB8AC3E}">
+        <p14:creationId xmlns:p14="http://schemas.microsoft.com/office/powerpoint/2010/main" val="4155099458"/>
+      </p:ext>
+    </p:extLst>
+  </p:cSld>
+  <p:clrMapOvr>
+    <a:masterClrMapping/>
+  </p:clrMapOvr>
+</p:sld>
+</file>
+
+<file path=ppt/slides/slide8.xml><?xml version="1.0" encoding="utf-8"?>
+<p:sld xmlns:a="http://schemas.openxmlformats.org/drawingml/2006/main" xmlns:r="http://schemas.openxmlformats.org/officeDocument/2006/relationships" xmlns:p="http://schemas.openxmlformats.org/presentationml/2006/main">
+  <p:cSld>
+    <p:spTree>
+      <p:nvGrpSpPr>
+        <p:cNvPr id="1" name=""/>
+        <p:cNvGrpSpPr/>
+        <p:nvPr/>
+      </p:nvGrpSpPr>
+      <p:grpSpPr>
+        <a:xfrm>
+          <a:off x="0" y="0"/>
+          <a:ext cx="0" cy="0"/>
+          <a:chOff x="0" y="0"/>
+          <a:chExt cx="0" cy="0"/>
+        </a:xfrm>
+      </p:grpSpPr>
       <p:sp>
         <p:nvSpPr>
           <p:cNvPr id="3" name="内容占位符 2">
@@ -6663,7 +6944,12 @@
             <p:ph idx="1"/>
           </p:nvPr>
         </p:nvSpPr>
-        <p:spPr/>
+        <p:spPr>
+          <a:xfrm>
+            <a:off x="1484310" y="2077914"/>
+            <a:ext cx="10018713" cy="3124201"/>
+          </a:xfrm>
+        </p:spPr>
         <p:txBody>
           <a:bodyPr/>
           <a:lstStyle/>
@@ -6690,10 +6976,35 @@
           </a:p>
           <a:p>
             <a:r>
-              <a:rPr lang="zh-CN" altLang="en-US"/>
+              <a:rPr lang="zh-CN" altLang="en-US" dirty="0"/>
               <a:t>分组</a:t>
             </a:r>
             <a:endParaRPr lang="en-US" altLang="zh-CN" dirty="0"/>
+          </a:p>
+        </p:txBody>
+      </p:sp>
+      <p:sp>
+        <p:nvSpPr>
+          <p:cNvPr id="5" name="标题 4">
+            <a:extLst>
+              <a:ext uri="{FF2B5EF4-FFF2-40B4-BE49-F238E27FC236}">
+                <a16:creationId xmlns:a16="http://schemas.microsoft.com/office/drawing/2014/main" id="{9382057B-949D-4ADF-84F6-1523FFE56040}"/>
+              </a:ext>
+            </a:extLst>
+          </p:cNvPr>
+          <p:cNvSpPr>
+            <a:spLocks noGrp="1"/>
+          </p:cNvSpPr>
+          <p:nvPr>
+            <p:ph type="title"/>
+          </p:nvPr>
+        </p:nvSpPr>
+        <p:spPr/>
+        <p:txBody>
+          <a:bodyPr/>
+          <a:lstStyle/>
+          <a:p>
+            <a:endParaRPr lang="zh-CN" altLang="en-US"/>
           </a:p>
         </p:txBody>
       </p:sp>
